--- a/Welcome to Day 3!.pptx
+++ b/Welcome to Day 3!.pptx
@@ -202,7 +202,7 @@
           <a:p>
             <a:fld id="{85572648-B18A-4131-B70E-8DA886F6F9B5}" type="datetimeFigureOut">
               <a:rPr lang="en-US" smtClean="0"/>
-              <a:t>7/19/2025</a:t>
+              <a:t>7/20/2025</a:t>
             </a:fld>
             <a:endParaRPr lang="en-US"/>
           </a:p>
@@ -700,7 +700,7 @@
           <a:p>
             <a:fld id="{9CA33238-437C-4963-9A02-A874FA615101}" type="datetimeFigureOut">
               <a:rPr lang="en-US" smtClean="0"/>
-              <a:t>7/19/2025</a:t>
+              <a:t>7/20/2025</a:t>
             </a:fld>
             <a:endParaRPr lang="en-US"/>
           </a:p>
@@ -898,7 +898,7 @@
           <a:p>
             <a:fld id="{9CA33238-437C-4963-9A02-A874FA615101}" type="datetimeFigureOut">
               <a:rPr lang="en-US" smtClean="0"/>
-              <a:t>7/19/2025</a:t>
+              <a:t>7/20/2025</a:t>
             </a:fld>
             <a:endParaRPr lang="en-US"/>
           </a:p>
@@ -1106,7 +1106,7 @@
           <a:p>
             <a:fld id="{9CA33238-437C-4963-9A02-A874FA615101}" type="datetimeFigureOut">
               <a:rPr lang="en-US" smtClean="0"/>
-              <a:t>7/19/2025</a:t>
+              <a:t>7/20/2025</a:t>
             </a:fld>
             <a:endParaRPr lang="en-US"/>
           </a:p>
@@ -1304,7 +1304,7 @@
           <a:p>
             <a:fld id="{9CA33238-437C-4963-9A02-A874FA615101}" type="datetimeFigureOut">
               <a:rPr lang="en-US" smtClean="0"/>
-              <a:t>7/19/2025</a:t>
+              <a:t>7/20/2025</a:t>
             </a:fld>
             <a:endParaRPr lang="en-US"/>
           </a:p>
@@ -1579,7 +1579,7 @@
           <a:p>
             <a:fld id="{9CA33238-437C-4963-9A02-A874FA615101}" type="datetimeFigureOut">
               <a:rPr lang="en-US" smtClean="0"/>
-              <a:t>7/19/2025</a:t>
+              <a:t>7/20/2025</a:t>
             </a:fld>
             <a:endParaRPr lang="en-US"/>
           </a:p>
@@ -1844,7 +1844,7 @@
           <a:p>
             <a:fld id="{9CA33238-437C-4963-9A02-A874FA615101}" type="datetimeFigureOut">
               <a:rPr lang="en-US" smtClean="0"/>
-              <a:t>7/19/2025</a:t>
+              <a:t>7/20/2025</a:t>
             </a:fld>
             <a:endParaRPr lang="en-US"/>
           </a:p>
@@ -2256,7 +2256,7 @@
           <a:p>
             <a:fld id="{9CA33238-437C-4963-9A02-A874FA615101}" type="datetimeFigureOut">
               <a:rPr lang="en-US" smtClean="0"/>
-              <a:t>7/19/2025</a:t>
+              <a:t>7/20/2025</a:t>
             </a:fld>
             <a:endParaRPr lang="en-US"/>
           </a:p>
@@ -2397,7 +2397,7 @@
           <a:p>
             <a:fld id="{9CA33238-437C-4963-9A02-A874FA615101}" type="datetimeFigureOut">
               <a:rPr lang="en-US" smtClean="0"/>
-              <a:t>7/19/2025</a:t>
+              <a:t>7/20/2025</a:t>
             </a:fld>
             <a:endParaRPr lang="en-US"/>
           </a:p>
@@ -2510,7 +2510,7 @@
           <a:p>
             <a:fld id="{9CA33238-437C-4963-9A02-A874FA615101}" type="datetimeFigureOut">
               <a:rPr lang="en-US" smtClean="0"/>
-              <a:t>7/19/2025</a:t>
+              <a:t>7/20/2025</a:t>
             </a:fld>
             <a:endParaRPr lang="en-US"/>
           </a:p>
@@ -2821,7 +2821,7 @@
           <a:p>
             <a:fld id="{9CA33238-437C-4963-9A02-A874FA615101}" type="datetimeFigureOut">
               <a:rPr lang="en-US" smtClean="0"/>
-              <a:t>7/19/2025</a:t>
+              <a:t>7/20/2025</a:t>
             </a:fld>
             <a:endParaRPr lang="en-US"/>
           </a:p>
@@ -3109,7 +3109,7 @@
           <a:p>
             <a:fld id="{9CA33238-437C-4963-9A02-A874FA615101}" type="datetimeFigureOut">
               <a:rPr lang="en-US" smtClean="0"/>
-              <a:t>7/19/2025</a:t>
+              <a:t>7/20/2025</a:t>
             </a:fld>
             <a:endParaRPr lang="en-US"/>
           </a:p>
@@ -3350,7 +3350,7 @@
           <a:p>
             <a:fld id="{9CA33238-437C-4963-9A02-A874FA615101}" type="datetimeFigureOut">
               <a:rPr lang="en-US" smtClean="0"/>
-              <a:t>7/19/2025</a:t>
+              <a:t>7/20/2025</a:t>
             </a:fld>
             <a:endParaRPr lang="en-US"/>
           </a:p>
@@ -4025,13 +4025,13 @@
         </p:nvSpPr>
         <p:spPr>
           <a:xfrm>
-            <a:off x="1285240" y="2969469"/>
-            <a:ext cx="9697085" cy="2800395"/>
+            <a:off x="1285240" y="2669085"/>
+            <a:ext cx="9697085" cy="3100780"/>
           </a:xfrm>
         </p:spPr>
         <p:txBody>
           <a:bodyPr vert="horz" lIns="91440" tIns="45720" rIns="91440" bIns="45720" rtlCol="0" anchor="t">
-            <a:normAutofit/>
+            <a:normAutofit lnSpcReduction="10000"/>
           </a:bodyPr>
           <a:lstStyle/>
           <a:p>
@@ -4063,7 +4063,7 @@
             </a:pPr>
             <a:r>
               <a:rPr lang="en-US" sz="2200" dirty="0"/>
-              <a:t>Download the file “Day 3.Rmd” and save it into the same folder as the </a:t>
+              <a:t>Download the file “Day-3.Rmd” and save it into the same folder as the </a:t>
             </a:r>
           </a:p>
           <a:p>
@@ -4078,18 +4078,30 @@
             </a:r>
           </a:p>
           <a:p>
-            <a:pPr indent="-228600" algn="l">
-              <a:buFont typeface="Arial" panose="020B0604020202020204" pitchFamily="34" charset="0"/>
-              <a:buChar char="•"/>
-            </a:pPr>
+            <a:pPr algn="l"/>
             <a:endParaRPr lang="en-US" sz="2200" dirty="0"/>
           </a:p>
           <a:p>
             <a:pPr algn="l"/>
             <a:r>
               <a:rPr lang="en-US" sz="2200" dirty="0"/>
-              <a:t>Open Day 3.Rmd from that folder</a:t>
-            </a:r>
+              <a:t>Open Day-3.Rmd from that folder</a:t>
+            </a:r>
+          </a:p>
+          <a:p>
+            <a:pPr algn="l"/>
+            <a:endParaRPr lang="en-US" sz="2200" dirty="0"/>
+          </a:p>
+          <a:p>
+            <a:pPr algn="l"/>
+            <a:r>
+              <a:rPr lang="en-US" dirty="0"/>
+              <a:t>Note: Delete the meteorology data from 2022. </a:t>
+            </a:r>
+          </a:p>
+          <a:p>
+            <a:pPr algn="l"/>
+            <a:endParaRPr lang="en-US" sz="2200" dirty="0"/>
           </a:p>
         </p:txBody>
       </p:sp>
